--- a/WebContent/assets/img/intention/게임2.pptx
+++ b/WebContent/assets/img/intention/게임2.pptx
@@ -5,7 +5,7 @@
     <p:sldMasterId id="2147483648" r:id="rId1"/>
   </p:sldMasterIdLst>
   <p:sldIdLst>
-    <p:sldId id="271" r:id="rId2"/>
+    <p:sldId id="279" r:id="rId2"/>
     <p:sldId id="276" r:id="rId3"/>
     <p:sldId id="275" r:id="rId4"/>
     <p:sldId id="278" r:id="rId5"/>
@@ -250,7 +250,7 @@
           <a:p>
             <a:fld id="{92D6B155-6174-4DCC-9156-8594546BB94A}" type="datetimeFigureOut">
               <a:rPr lang="ko-KR" altLang="en-US" smtClean="0"/>
-              <a:t>2014-05-07</a:t>
+              <a:t>2014-05-19</a:t>
             </a:fld>
             <a:endParaRPr lang="ko-KR" altLang="en-US"/>
           </a:p>
@@ -420,7 +420,7 @@
           <a:p>
             <a:fld id="{92D6B155-6174-4DCC-9156-8594546BB94A}" type="datetimeFigureOut">
               <a:rPr lang="ko-KR" altLang="en-US" smtClean="0"/>
-              <a:t>2014-05-07</a:t>
+              <a:t>2014-05-19</a:t>
             </a:fld>
             <a:endParaRPr lang="ko-KR" altLang="en-US"/>
           </a:p>
@@ -600,7 +600,7 @@
           <a:p>
             <a:fld id="{92D6B155-6174-4DCC-9156-8594546BB94A}" type="datetimeFigureOut">
               <a:rPr lang="ko-KR" altLang="en-US" smtClean="0"/>
-              <a:t>2014-05-07</a:t>
+              <a:t>2014-05-19</a:t>
             </a:fld>
             <a:endParaRPr lang="ko-KR" altLang="en-US"/>
           </a:p>
@@ -770,7 +770,7 @@
           <a:p>
             <a:fld id="{92D6B155-6174-4DCC-9156-8594546BB94A}" type="datetimeFigureOut">
               <a:rPr lang="ko-KR" altLang="en-US" smtClean="0"/>
-              <a:t>2014-05-07</a:t>
+              <a:t>2014-05-19</a:t>
             </a:fld>
             <a:endParaRPr lang="ko-KR" altLang="en-US"/>
           </a:p>
@@ -1016,7 +1016,7 @@
           <a:p>
             <a:fld id="{92D6B155-6174-4DCC-9156-8594546BB94A}" type="datetimeFigureOut">
               <a:rPr lang="ko-KR" altLang="en-US" smtClean="0"/>
-              <a:t>2014-05-07</a:t>
+              <a:t>2014-05-19</a:t>
             </a:fld>
             <a:endParaRPr lang="ko-KR" altLang="en-US"/>
           </a:p>
@@ -1248,7 +1248,7 @@
           <a:p>
             <a:fld id="{92D6B155-6174-4DCC-9156-8594546BB94A}" type="datetimeFigureOut">
               <a:rPr lang="ko-KR" altLang="en-US" smtClean="0"/>
-              <a:t>2014-05-07</a:t>
+              <a:t>2014-05-19</a:t>
             </a:fld>
             <a:endParaRPr lang="ko-KR" altLang="en-US"/>
           </a:p>
@@ -1615,7 +1615,7 @@
           <a:p>
             <a:fld id="{92D6B155-6174-4DCC-9156-8594546BB94A}" type="datetimeFigureOut">
               <a:rPr lang="ko-KR" altLang="en-US" smtClean="0"/>
-              <a:t>2014-05-07</a:t>
+              <a:t>2014-05-19</a:t>
             </a:fld>
             <a:endParaRPr lang="ko-KR" altLang="en-US"/>
           </a:p>
@@ -1733,7 +1733,7 @@
           <a:p>
             <a:fld id="{92D6B155-6174-4DCC-9156-8594546BB94A}" type="datetimeFigureOut">
               <a:rPr lang="ko-KR" altLang="en-US" smtClean="0"/>
-              <a:t>2014-05-07</a:t>
+              <a:t>2014-05-19</a:t>
             </a:fld>
             <a:endParaRPr lang="ko-KR" altLang="en-US"/>
           </a:p>
@@ -1828,7 +1828,7 @@
           <a:p>
             <a:fld id="{92D6B155-6174-4DCC-9156-8594546BB94A}" type="datetimeFigureOut">
               <a:rPr lang="ko-KR" altLang="en-US" smtClean="0"/>
-              <a:t>2014-05-07</a:t>
+              <a:t>2014-05-19</a:t>
             </a:fld>
             <a:endParaRPr lang="ko-KR" altLang="en-US"/>
           </a:p>
@@ -2105,7 +2105,7 @@
           <a:p>
             <a:fld id="{92D6B155-6174-4DCC-9156-8594546BB94A}" type="datetimeFigureOut">
               <a:rPr lang="ko-KR" altLang="en-US" smtClean="0"/>
-              <a:t>2014-05-07</a:t>
+              <a:t>2014-05-19</a:t>
             </a:fld>
             <a:endParaRPr lang="ko-KR" altLang="en-US"/>
           </a:p>
@@ -2358,7 +2358,7 @@
           <a:p>
             <a:fld id="{92D6B155-6174-4DCC-9156-8594546BB94A}" type="datetimeFigureOut">
               <a:rPr lang="ko-KR" altLang="en-US" smtClean="0"/>
-              <a:t>2014-05-07</a:t>
+              <a:t>2014-05-19</a:t>
             </a:fld>
             <a:endParaRPr lang="ko-KR" altLang="en-US"/>
           </a:p>
@@ -2571,7 +2571,7 @@
           <a:p>
             <a:fld id="{92D6B155-6174-4DCC-9156-8594546BB94A}" type="datetimeFigureOut">
               <a:rPr lang="ko-KR" altLang="en-US" smtClean="0"/>
-              <a:t>2014-05-07</a:t>
+              <a:t>2014-05-19</a:t>
             </a:fld>
             <a:endParaRPr lang="ko-KR" altLang="en-US"/>
           </a:p>
@@ -2978,7 +2978,7 @@
       </p:grpSpPr>
       <p:grpSp>
         <p:nvGrpSpPr>
-          <p:cNvPr id="2" name="그룹 1"/>
+          <p:cNvPr id="3" name="그룹 2"/>
           <p:cNvGrpSpPr/>
           <p:nvPr/>
         </p:nvGrpSpPr>
@@ -3119,6 +3119,9 @@
               <a:avLst/>
             </a:prstGeom>
             <a:noFill/>
+            <a:ln>
+              <a:noFill/>
+            </a:ln>
           </p:spPr>
           <p:txBody>
             <a:bodyPr vert="horz" wrap="square" rtlCol="0">
@@ -3161,13 +3164,16 @@
           </p:nvSpPr>
           <p:spPr>
             <a:xfrm>
-              <a:off x="4345078" y="1665993"/>
-              <a:ext cx="5941921" cy="1015663"/>
+              <a:off x="4345079" y="1665993"/>
+              <a:ext cx="5878421" cy="1015663"/>
             </a:xfrm>
             <a:prstGeom prst="rect">
               <a:avLst/>
             </a:prstGeom>
             <a:noFill/>
+            <a:ln>
+              <a:noFill/>
+            </a:ln>
           </p:spPr>
           <p:txBody>
             <a:bodyPr vert="horz" wrap="square" rtlCol="0">
@@ -3187,20 +3193,7 @@
                   <a:latin typeface="a신디나루B" panose="02020600000000000000" pitchFamily="18" charset="-127"/>
                   <a:ea typeface="a신디나루B" panose="02020600000000000000" pitchFamily="18" charset="-127"/>
                 </a:rPr>
-                <a:t>사진을 보고 </a:t>
-              </a:r>
-              <a:r>
-                <a:rPr lang="ko-KR" altLang="en-US" sz="2000" dirty="0" smtClean="0">
-                  <a:solidFill>
-                    <a:schemeClr val="tx1">
-                      <a:lumMod val="75000"/>
-                      <a:lumOff val="25000"/>
-                    </a:schemeClr>
-                  </a:solidFill>
-                  <a:latin typeface="a신디나루B" panose="02020600000000000000" pitchFamily="18" charset="-127"/>
-                  <a:ea typeface="a신디나루B" panose="02020600000000000000" pitchFamily="18" charset="-127"/>
-                </a:rPr>
-                <a:t>인물이나 물건의 숫자를 맞춰주세요</a:t>
+                <a:t>사진을 보고 인물이나 물건의 숫자를 맞춰주세요</a:t>
               </a:r>
               <a:r>
                 <a:rPr lang="en-US" altLang="ko-KR" sz="2000" dirty="0" smtClean="0">
@@ -3215,16 +3208,6 @@
                 </a:rPr>
                 <a:t>!</a:t>
               </a:r>
-              <a:endParaRPr lang="en-US" altLang="ko-KR" sz="2000" dirty="0" smtClean="0">
-                <a:solidFill>
-                  <a:schemeClr val="tx1">
-                    <a:lumMod val="75000"/>
-                    <a:lumOff val="25000"/>
-                  </a:schemeClr>
-                </a:solidFill>
-                <a:latin typeface="a신디나루B" panose="02020600000000000000" pitchFamily="18" charset="-127"/>
-                <a:ea typeface="a신디나루B" panose="02020600000000000000" pitchFamily="18" charset="-127"/>
-              </a:endParaRPr>
             </a:p>
             <a:p>
               <a:pPr algn="just"/>
@@ -3265,7 +3248,20 @@
                   <a:latin typeface="a신디나루B" panose="02020600000000000000" pitchFamily="18" charset="-127"/>
                   <a:ea typeface="a신디나루B" panose="02020600000000000000" pitchFamily="18" charset="-127"/>
                 </a:rPr>
-                <a:t>번이 주어지고 난이도는 점점 어려워 집니다</a:t>
+                <a:t>번 </a:t>
+              </a:r>
+              <a:r>
+                <a:rPr lang="ko-KR" altLang="en-US" sz="2000" dirty="0" smtClean="0">
+                  <a:solidFill>
+                    <a:schemeClr val="tx1">
+                      <a:lumMod val="75000"/>
+                      <a:lumOff val="25000"/>
+                    </a:schemeClr>
+                  </a:solidFill>
+                  <a:latin typeface="a신디나루B" panose="02020600000000000000" pitchFamily="18" charset="-127"/>
+                  <a:ea typeface="a신디나루B" panose="02020600000000000000" pitchFamily="18" charset="-127"/>
+                </a:rPr>
+                <a:t>주어지고 난이도는 점점 어려워 집니다</a:t>
               </a:r>
               <a:r>
                 <a:rPr lang="en-US" altLang="ko-KR" sz="2000" dirty="0" smtClean="0">
@@ -3348,16 +3344,6 @@
                 </a:rPr>
                 <a:t>.</a:t>
               </a:r>
-              <a:endParaRPr lang="en-US" altLang="ko-KR" sz="2000" dirty="0" smtClean="0">
-                <a:solidFill>
-                  <a:schemeClr val="tx1">
-                    <a:lumMod val="75000"/>
-                    <a:lumOff val="25000"/>
-                  </a:schemeClr>
-                </a:solidFill>
-                <a:latin typeface="a신디나루B" panose="02020600000000000000" pitchFamily="18" charset="-127"/>
-                <a:ea typeface="a신디나루B" panose="02020600000000000000" pitchFamily="18" charset="-127"/>
-              </a:endParaRPr>
             </a:p>
           </p:txBody>
         </p:sp>
@@ -3417,44 +3403,6 @@
             </a:p>
           </p:txBody>
         </p:sp>
-        <p:pic>
-          <p:nvPicPr>
-            <p:cNvPr id="9" name="그림 8"/>
-            <p:cNvPicPr>
-              <a:picLocks noChangeAspect="1"/>
-            </p:cNvPicPr>
-            <p:nvPr/>
-          </p:nvPicPr>
-          <p:blipFill>
-            <a:blip r:embed="rId2">
-              <a:extLst>
-                <a:ext uri="{28A0092B-C50C-407E-A947-70E740481C1C}">
-                  <a14:useLocalDpi xmlns:a14="http://schemas.microsoft.com/office/drawing/2010/main" val="0"/>
-                </a:ext>
-              </a:extLst>
-            </a:blip>
-            <a:stretch>
-              <a:fillRect/>
-            </a:stretch>
-          </p:blipFill>
-          <p:spPr>
-            <a:xfrm>
-              <a:off x="384021" y="1038208"/>
-              <a:ext cx="1997341" cy="1496078"/>
-            </a:xfrm>
-            <a:prstGeom prst="rect">
-              <a:avLst/>
-            </a:prstGeom>
-            <a:ln w="38100">
-              <a:solidFill>
-                <a:schemeClr val="tx1">
-                  <a:lumMod val="75000"/>
-                  <a:lumOff val="25000"/>
-                </a:schemeClr>
-              </a:solidFill>
-            </a:ln>
-          </p:spPr>
-        </p:pic>
         <p:sp>
           <p:nvSpPr>
             <p:cNvPr id="12" name="모서리가 둥근 직사각형 11"/>
@@ -3606,148 +3554,10 @@
                 </a:rPr>
                 <a:t>2.0</a:t>
               </a:r>
-            </a:p>
-          </p:txBody>
-        </p:sp>
-        <p:sp>
-          <p:nvSpPr>
-            <p:cNvPr id="13" name="직사각형 12"/>
-            <p:cNvSpPr/>
-            <p:nvPr/>
-          </p:nvSpPr>
-          <p:spPr>
-            <a:xfrm>
-              <a:off x="2764818" y="2266090"/>
-              <a:ext cx="1224136" cy="144016"/>
-            </a:xfrm>
-            <a:prstGeom prst="rect">
-              <a:avLst/>
-            </a:prstGeom>
-            <a:solidFill>
-              <a:schemeClr val="bg1">
-                <a:lumMod val="50000"/>
-              </a:schemeClr>
-            </a:solidFill>
-            <a:ln>
-              <a:noFill/>
-            </a:ln>
-          </p:spPr>
-          <p:style>
-            <a:lnRef idx="2">
-              <a:schemeClr val="accent1">
-                <a:shade val="50000"/>
-              </a:schemeClr>
-            </a:lnRef>
-            <a:fillRef idx="1">
-              <a:schemeClr val="accent1"/>
-            </a:fillRef>
-            <a:effectRef idx="0">
-              <a:schemeClr val="accent1"/>
-            </a:effectRef>
-            <a:fontRef idx="minor">
-              <a:schemeClr val="lt1"/>
-            </a:fontRef>
-          </p:style>
-          <p:txBody>
-            <a:bodyPr rtlCol="0" anchor="ctr"/>
-            <a:lstStyle>
-              <a:defPPr>
-                <a:defRPr lang="ko-KR"/>
-              </a:defPPr>
-              <a:lvl1pPr marL="0" algn="l" defTabSz="914400" rtl="0" eaLnBrk="1" latinLnBrk="1" hangingPunct="1">
-                <a:defRPr sz="1800" kern="1200">
-                  <a:solidFill>
-                    <a:schemeClr val="lt1"/>
-                  </a:solidFill>
-                  <a:latin typeface="+mn-lt"/>
-                  <a:ea typeface="+mn-ea"/>
-                  <a:cs typeface="+mn-cs"/>
-                </a:defRPr>
-              </a:lvl1pPr>
-              <a:lvl2pPr marL="457200" algn="l" defTabSz="914400" rtl="0" eaLnBrk="1" latinLnBrk="1" hangingPunct="1">
-                <a:defRPr sz="1800" kern="1200">
-                  <a:solidFill>
-                    <a:schemeClr val="lt1"/>
-                  </a:solidFill>
-                  <a:latin typeface="+mn-lt"/>
-                  <a:ea typeface="+mn-ea"/>
-                  <a:cs typeface="+mn-cs"/>
-                </a:defRPr>
-              </a:lvl2pPr>
-              <a:lvl3pPr marL="914400" algn="l" defTabSz="914400" rtl="0" eaLnBrk="1" latinLnBrk="1" hangingPunct="1">
-                <a:defRPr sz="1800" kern="1200">
-                  <a:solidFill>
-                    <a:schemeClr val="lt1"/>
-                  </a:solidFill>
-                  <a:latin typeface="+mn-lt"/>
-                  <a:ea typeface="+mn-ea"/>
-                  <a:cs typeface="+mn-cs"/>
-                </a:defRPr>
-              </a:lvl3pPr>
-              <a:lvl4pPr marL="1371600" algn="l" defTabSz="914400" rtl="0" eaLnBrk="1" latinLnBrk="1" hangingPunct="1">
-                <a:defRPr sz="1800" kern="1200">
-                  <a:solidFill>
-                    <a:schemeClr val="lt1"/>
-                  </a:solidFill>
-                  <a:latin typeface="+mn-lt"/>
-                  <a:ea typeface="+mn-ea"/>
-                  <a:cs typeface="+mn-cs"/>
-                </a:defRPr>
-              </a:lvl4pPr>
-              <a:lvl5pPr marL="1828800" algn="l" defTabSz="914400" rtl="0" eaLnBrk="1" latinLnBrk="1" hangingPunct="1">
-                <a:defRPr sz="1800" kern="1200">
-                  <a:solidFill>
-                    <a:schemeClr val="lt1"/>
-                  </a:solidFill>
-                  <a:latin typeface="+mn-lt"/>
-                  <a:ea typeface="+mn-ea"/>
-                  <a:cs typeface="+mn-cs"/>
-                </a:defRPr>
-              </a:lvl5pPr>
-              <a:lvl6pPr marL="2286000" algn="l" defTabSz="914400" rtl="0" eaLnBrk="1" latinLnBrk="1" hangingPunct="1">
-                <a:defRPr sz="1800" kern="1200">
-                  <a:solidFill>
-                    <a:schemeClr val="lt1"/>
-                  </a:solidFill>
-                  <a:latin typeface="+mn-lt"/>
-                  <a:ea typeface="+mn-ea"/>
-                  <a:cs typeface="+mn-cs"/>
-                </a:defRPr>
-              </a:lvl6pPr>
-              <a:lvl7pPr marL="2743200" algn="l" defTabSz="914400" rtl="0" eaLnBrk="1" latinLnBrk="1" hangingPunct="1">
-                <a:defRPr sz="1800" kern="1200">
-                  <a:solidFill>
-                    <a:schemeClr val="lt1"/>
-                  </a:solidFill>
-                  <a:latin typeface="+mn-lt"/>
-                  <a:ea typeface="+mn-ea"/>
-                  <a:cs typeface="+mn-cs"/>
-                </a:defRPr>
-              </a:lvl7pPr>
-              <a:lvl8pPr marL="3200400" algn="l" defTabSz="914400" rtl="0" eaLnBrk="1" latinLnBrk="1" hangingPunct="1">
-                <a:defRPr sz="1800" kern="1200">
-                  <a:solidFill>
-                    <a:schemeClr val="lt1"/>
-                  </a:solidFill>
-                  <a:latin typeface="+mn-lt"/>
-                  <a:ea typeface="+mn-ea"/>
-                  <a:cs typeface="+mn-cs"/>
-                </a:defRPr>
-              </a:lvl8pPr>
-              <a:lvl9pPr marL="3657600" algn="l" defTabSz="914400" rtl="0" eaLnBrk="1" latinLnBrk="1" hangingPunct="1">
-                <a:defRPr sz="1800" kern="1200">
-                  <a:solidFill>
-                    <a:schemeClr val="lt1"/>
-                  </a:solidFill>
-                  <a:latin typeface="+mn-lt"/>
-                  <a:ea typeface="+mn-ea"/>
-                  <a:cs typeface="+mn-cs"/>
-                </a:defRPr>
-              </a:lvl9pPr>
-            </a:lstStyle>
-            <a:p>
-              <a:pPr algn="ctr"/>
-              <a:endParaRPr lang="ko-KR" altLang="en-US"/>
+              <a:endParaRPr lang="en-US" altLang="ko-KR" sz="5000" dirty="0" smtClean="0">
+                <a:latin typeface="a신디나루M" pitchFamily="18" charset="-127"/>
+                <a:ea typeface="a신디나루M" pitchFamily="18" charset="-127"/>
+              </a:endParaRPr>
             </a:p>
           </p:txBody>
         </p:sp>
@@ -3899,11 +3709,191 @@
             </a:p>
           </p:txBody>
         </p:sp>
+        <p:sp>
+          <p:nvSpPr>
+            <p:cNvPr id="17" name="직사각형 16"/>
+            <p:cNvSpPr/>
+            <p:nvPr/>
+          </p:nvSpPr>
+          <p:spPr>
+            <a:xfrm>
+              <a:off x="2764818" y="2266090"/>
+              <a:ext cx="1224000" cy="144016"/>
+            </a:xfrm>
+            <a:prstGeom prst="rect">
+              <a:avLst/>
+            </a:prstGeom>
+            <a:solidFill>
+              <a:schemeClr val="bg1">
+                <a:lumMod val="50000"/>
+              </a:schemeClr>
+            </a:solidFill>
+            <a:ln>
+              <a:noFill/>
+            </a:ln>
+          </p:spPr>
+          <p:style>
+            <a:lnRef idx="2">
+              <a:schemeClr val="accent1">
+                <a:shade val="50000"/>
+              </a:schemeClr>
+            </a:lnRef>
+            <a:fillRef idx="1">
+              <a:schemeClr val="accent1"/>
+            </a:fillRef>
+            <a:effectRef idx="0">
+              <a:schemeClr val="accent1"/>
+            </a:effectRef>
+            <a:fontRef idx="minor">
+              <a:schemeClr val="lt1"/>
+            </a:fontRef>
+          </p:style>
+          <p:txBody>
+            <a:bodyPr rtlCol="0" anchor="ctr"/>
+            <a:lstStyle>
+              <a:defPPr>
+                <a:defRPr lang="ko-KR"/>
+              </a:defPPr>
+              <a:lvl1pPr marL="0" algn="l" defTabSz="914400" rtl="0" eaLnBrk="1" latinLnBrk="1" hangingPunct="1">
+                <a:defRPr sz="1800" kern="1200">
+                  <a:solidFill>
+                    <a:schemeClr val="lt1"/>
+                  </a:solidFill>
+                  <a:latin typeface="+mn-lt"/>
+                  <a:ea typeface="+mn-ea"/>
+                  <a:cs typeface="+mn-cs"/>
+                </a:defRPr>
+              </a:lvl1pPr>
+              <a:lvl2pPr marL="457200" algn="l" defTabSz="914400" rtl="0" eaLnBrk="1" latinLnBrk="1" hangingPunct="1">
+                <a:defRPr sz="1800" kern="1200">
+                  <a:solidFill>
+                    <a:schemeClr val="lt1"/>
+                  </a:solidFill>
+                  <a:latin typeface="+mn-lt"/>
+                  <a:ea typeface="+mn-ea"/>
+                  <a:cs typeface="+mn-cs"/>
+                </a:defRPr>
+              </a:lvl2pPr>
+              <a:lvl3pPr marL="914400" algn="l" defTabSz="914400" rtl="0" eaLnBrk="1" latinLnBrk="1" hangingPunct="1">
+                <a:defRPr sz="1800" kern="1200">
+                  <a:solidFill>
+                    <a:schemeClr val="lt1"/>
+                  </a:solidFill>
+                  <a:latin typeface="+mn-lt"/>
+                  <a:ea typeface="+mn-ea"/>
+                  <a:cs typeface="+mn-cs"/>
+                </a:defRPr>
+              </a:lvl3pPr>
+              <a:lvl4pPr marL="1371600" algn="l" defTabSz="914400" rtl="0" eaLnBrk="1" latinLnBrk="1" hangingPunct="1">
+                <a:defRPr sz="1800" kern="1200">
+                  <a:solidFill>
+                    <a:schemeClr val="lt1"/>
+                  </a:solidFill>
+                  <a:latin typeface="+mn-lt"/>
+                  <a:ea typeface="+mn-ea"/>
+                  <a:cs typeface="+mn-cs"/>
+                </a:defRPr>
+              </a:lvl4pPr>
+              <a:lvl5pPr marL="1828800" algn="l" defTabSz="914400" rtl="0" eaLnBrk="1" latinLnBrk="1" hangingPunct="1">
+                <a:defRPr sz="1800" kern="1200">
+                  <a:solidFill>
+                    <a:schemeClr val="lt1"/>
+                  </a:solidFill>
+                  <a:latin typeface="+mn-lt"/>
+                  <a:ea typeface="+mn-ea"/>
+                  <a:cs typeface="+mn-cs"/>
+                </a:defRPr>
+              </a:lvl5pPr>
+              <a:lvl6pPr marL="2286000" algn="l" defTabSz="914400" rtl="0" eaLnBrk="1" latinLnBrk="1" hangingPunct="1">
+                <a:defRPr sz="1800" kern="1200">
+                  <a:solidFill>
+                    <a:schemeClr val="lt1"/>
+                  </a:solidFill>
+                  <a:latin typeface="+mn-lt"/>
+                  <a:ea typeface="+mn-ea"/>
+                  <a:cs typeface="+mn-cs"/>
+                </a:defRPr>
+              </a:lvl6pPr>
+              <a:lvl7pPr marL="2743200" algn="l" defTabSz="914400" rtl="0" eaLnBrk="1" latinLnBrk="1" hangingPunct="1">
+                <a:defRPr sz="1800" kern="1200">
+                  <a:solidFill>
+                    <a:schemeClr val="lt1"/>
+                  </a:solidFill>
+                  <a:latin typeface="+mn-lt"/>
+                  <a:ea typeface="+mn-ea"/>
+                  <a:cs typeface="+mn-cs"/>
+                </a:defRPr>
+              </a:lvl7pPr>
+              <a:lvl8pPr marL="3200400" algn="l" defTabSz="914400" rtl="0" eaLnBrk="1" latinLnBrk="1" hangingPunct="1">
+                <a:defRPr sz="1800" kern="1200">
+                  <a:solidFill>
+                    <a:schemeClr val="lt1"/>
+                  </a:solidFill>
+                  <a:latin typeface="+mn-lt"/>
+                  <a:ea typeface="+mn-ea"/>
+                  <a:cs typeface="+mn-cs"/>
+                </a:defRPr>
+              </a:lvl8pPr>
+              <a:lvl9pPr marL="3657600" algn="l" defTabSz="914400" rtl="0" eaLnBrk="1" latinLnBrk="1" hangingPunct="1">
+                <a:defRPr sz="1800" kern="1200">
+                  <a:solidFill>
+                    <a:schemeClr val="lt1"/>
+                  </a:solidFill>
+                  <a:latin typeface="+mn-lt"/>
+                  <a:ea typeface="+mn-ea"/>
+                  <a:cs typeface="+mn-cs"/>
+                </a:defRPr>
+              </a:lvl9pPr>
+            </a:lstStyle>
+            <a:p>
+              <a:pPr algn="ctr"/>
+              <a:endParaRPr lang="ko-KR" altLang="en-US"/>
+            </a:p>
+          </p:txBody>
+        </p:sp>
+        <p:pic>
+          <p:nvPicPr>
+            <p:cNvPr id="13" name="그림 12"/>
+            <p:cNvPicPr>
+              <a:picLocks noChangeAspect="1"/>
+            </p:cNvPicPr>
+            <p:nvPr/>
+          </p:nvPicPr>
+          <p:blipFill>
+            <a:blip r:embed="rId2">
+              <a:extLst>
+                <a:ext uri="{28A0092B-C50C-407E-A947-70E740481C1C}">
+                  <a14:useLocalDpi xmlns:a14="http://schemas.microsoft.com/office/drawing/2010/main" val="0"/>
+                </a:ext>
+              </a:extLst>
+            </a:blip>
+            <a:stretch>
+              <a:fillRect/>
+            </a:stretch>
+          </p:blipFill>
+          <p:spPr>
+            <a:xfrm>
+              <a:off x="384021" y="1038208"/>
+              <a:ext cx="1997341" cy="1496078"/>
+            </a:xfrm>
+            <a:prstGeom prst="rect">
+              <a:avLst/>
+            </a:prstGeom>
+            <a:ln w="38100">
+              <a:solidFill>
+                <a:schemeClr val="tx1">
+                  <a:lumMod val="75000"/>
+                  <a:lumOff val="25000"/>
+                </a:schemeClr>
+              </a:solidFill>
+            </a:ln>
+          </p:spPr>
+        </p:pic>
       </p:grpSp>
     </p:spTree>
     <p:extLst>
       <p:ext uri="{BB962C8B-B14F-4D97-AF65-F5344CB8AC3E}">
-        <p14:creationId xmlns:p14="http://schemas.microsoft.com/office/powerpoint/2010/main" val="1016707397"/>
+        <p14:creationId xmlns:p14="http://schemas.microsoft.com/office/powerpoint/2010/main" val="3950476934"/>
       </p:ext>
     </p:extLst>
   </p:cSld>
@@ -4141,20 +4131,7 @@
                   <a:latin typeface="a신디나루B" panose="02020600000000000000" pitchFamily="18" charset="-127"/>
                   <a:ea typeface="a신디나루B" panose="02020600000000000000" pitchFamily="18" charset="-127"/>
                 </a:rPr>
-                <a:t>사진을 보고 </a:t>
-              </a:r>
-              <a:r>
-                <a:rPr lang="ko-KR" altLang="en-US" sz="2000" dirty="0" smtClean="0">
-                  <a:solidFill>
-                    <a:schemeClr val="tx1">
-                      <a:lumMod val="75000"/>
-                      <a:lumOff val="25000"/>
-                    </a:schemeClr>
-                  </a:solidFill>
-                  <a:latin typeface="a신디나루B" panose="02020600000000000000" pitchFamily="18" charset="-127"/>
-                  <a:ea typeface="a신디나루B" panose="02020600000000000000" pitchFamily="18" charset="-127"/>
-                </a:rPr>
-                <a:t>인물이나 물건의 숫자를 맞춰주세요</a:t>
+                <a:t>사진을 보고 인물이나 물건의 숫자를 맞춰주세요</a:t>
               </a:r>
               <a:r>
                 <a:rPr lang="en-US" altLang="ko-KR" sz="2000" dirty="0" smtClean="0">
@@ -4169,16 +4146,6 @@
                 </a:rPr>
                 <a:t>!</a:t>
               </a:r>
-              <a:endParaRPr lang="en-US" altLang="ko-KR" sz="2000" dirty="0" smtClean="0">
-                <a:solidFill>
-                  <a:schemeClr val="tx1">
-                    <a:lumMod val="75000"/>
-                    <a:lumOff val="25000"/>
-                  </a:schemeClr>
-                </a:solidFill>
-                <a:latin typeface="a신디나루B" panose="02020600000000000000" pitchFamily="18" charset="-127"/>
-                <a:ea typeface="a신디나루B" panose="02020600000000000000" pitchFamily="18" charset="-127"/>
-              </a:endParaRPr>
             </a:p>
             <a:p>
               <a:pPr algn="just"/>
@@ -4219,7 +4186,20 @@
                   <a:latin typeface="a신디나루B" panose="02020600000000000000" pitchFamily="18" charset="-127"/>
                   <a:ea typeface="a신디나루B" panose="02020600000000000000" pitchFamily="18" charset="-127"/>
                 </a:rPr>
-                <a:t>번이 주어지고 난이도는 점점 어려워 집니다</a:t>
+                <a:t>번 </a:t>
+              </a:r>
+              <a:r>
+                <a:rPr lang="ko-KR" altLang="en-US" sz="2000" dirty="0" smtClean="0">
+                  <a:solidFill>
+                    <a:schemeClr val="tx1">
+                      <a:lumMod val="75000"/>
+                      <a:lumOff val="25000"/>
+                    </a:schemeClr>
+                  </a:solidFill>
+                  <a:latin typeface="a신디나루B" panose="02020600000000000000" pitchFamily="18" charset="-127"/>
+                  <a:ea typeface="a신디나루B" panose="02020600000000000000" pitchFamily="18" charset="-127"/>
+                </a:rPr>
+                <a:t>주어지고 난이도는 점점 어려워 집니다</a:t>
               </a:r>
               <a:r>
                 <a:rPr lang="en-US" altLang="ko-KR" sz="2000" dirty="0" smtClean="0">
@@ -4302,16 +4282,6 @@
                 </a:rPr>
                 <a:t>.</a:t>
               </a:r>
-              <a:endParaRPr lang="en-US" altLang="ko-KR" sz="2000" dirty="0" smtClean="0">
-                <a:solidFill>
-                  <a:schemeClr val="tx1">
-                    <a:lumMod val="75000"/>
-                    <a:lumOff val="25000"/>
-                  </a:schemeClr>
-                </a:solidFill>
-                <a:latin typeface="a신디나루B" panose="02020600000000000000" pitchFamily="18" charset="-127"/>
-                <a:ea typeface="a신디나루B" panose="02020600000000000000" pitchFamily="18" charset="-127"/>
-              </a:endParaRPr>
             </a:p>
           </p:txBody>
         </p:sp>
@@ -4567,10 +4537,6 @@
                 </a:rPr>
                 <a:t>.0</a:t>
               </a:r>
-              <a:endParaRPr lang="en-US" altLang="ko-KR" sz="5000" dirty="0" smtClean="0">
-                <a:latin typeface="a신디나루M" pitchFamily="18" charset="-127"/>
-                <a:ea typeface="a신디나루M" pitchFamily="18" charset="-127"/>
-              </a:endParaRPr>
             </a:p>
           </p:txBody>
         </p:sp>
@@ -5099,20 +5065,7 @@
                   <a:latin typeface="a신디나루B" panose="02020600000000000000" pitchFamily="18" charset="-127"/>
                   <a:ea typeface="a신디나루B" panose="02020600000000000000" pitchFamily="18" charset="-127"/>
                 </a:rPr>
-                <a:t>사진을 보고 </a:t>
-              </a:r>
-              <a:r>
-                <a:rPr lang="ko-KR" altLang="en-US" sz="2000" dirty="0" smtClean="0">
-                  <a:solidFill>
-                    <a:schemeClr val="tx1">
-                      <a:lumMod val="75000"/>
-                      <a:lumOff val="25000"/>
-                    </a:schemeClr>
-                  </a:solidFill>
-                  <a:latin typeface="a신디나루B" panose="02020600000000000000" pitchFamily="18" charset="-127"/>
-                  <a:ea typeface="a신디나루B" panose="02020600000000000000" pitchFamily="18" charset="-127"/>
-                </a:rPr>
-                <a:t>인물이나 물건의 숫자를 맞춰주세요</a:t>
+                <a:t>사진을 보고 인물이나 물건의 숫자를 맞춰주세요</a:t>
               </a:r>
               <a:r>
                 <a:rPr lang="en-US" altLang="ko-KR" sz="2000" dirty="0" smtClean="0">
@@ -5127,16 +5080,6 @@
                 </a:rPr>
                 <a:t>!</a:t>
               </a:r>
-              <a:endParaRPr lang="en-US" altLang="ko-KR" sz="2000" dirty="0" smtClean="0">
-                <a:solidFill>
-                  <a:schemeClr val="tx1">
-                    <a:lumMod val="75000"/>
-                    <a:lumOff val="25000"/>
-                  </a:schemeClr>
-                </a:solidFill>
-                <a:latin typeface="a신디나루B" panose="02020600000000000000" pitchFamily="18" charset="-127"/>
-                <a:ea typeface="a신디나루B" panose="02020600000000000000" pitchFamily="18" charset="-127"/>
-              </a:endParaRPr>
             </a:p>
             <a:p>
               <a:pPr algn="just"/>
@@ -5177,7 +5120,20 @@
                   <a:latin typeface="a신디나루B" panose="02020600000000000000" pitchFamily="18" charset="-127"/>
                   <a:ea typeface="a신디나루B" panose="02020600000000000000" pitchFamily="18" charset="-127"/>
                 </a:rPr>
-                <a:t>번이 주어지고 난이도는 점점 어려워 집니다</a:t>
+                <a:t>번 </a:t>
+              </a:r>
+              <a:r>
+                <a:rPr lang="ko-KR" altLang="en-US" sz="2000" dirty="0" smtClean="0">
+                  <a:solidFill>
+                    <a:schemeClr val="tx1">
+                      <a:lumMod val="75000"/>
+                      <a:lumOff val="25000"/>
+                    </a:schemeClr>
+                  </a:solidFill>
+                  <a:latin typeface="a신디나루B" panose="02020600000000000000" pitchFamily="18" charset="-127"/>
+                  <a:ea typeface="a신디나루B" panose="02020600000000000000" pitchFamily="18" charset="-127"/>
+                </a:rPr>
+                <a:t>주어지고 난이도는 점점 어려워 집니다</a:t>
               </a:r>
               <a:r>
                 <a:rPr lang="en-US" altLang="ko-KR" sz="2000" dirty="0" smtClean="0">
@@ -5260,16 +5216,6 @@
                 </a:rPr>
                 <a:t>.</a:t>
               </a:r>
-              <a:endParaRPr lang="en-US" altLang="ko-KR" sz="2000" dirty="0" smtClean="0">
-                <a:solidFill>
-                  <a:schemeClr val="tx1">
-                    <a:lumMod val="75000"/>
-                    <a:lumOff val="25000"/>
-                  </a:schemeClr>
-                </a:solidFill>
-                <a:latin typeface="a신디나루B" panose="02020600000000000000" pitchFamily="18" charset="-127"/>
-                <a:ea typeface="a신디나루B" panose="02020600000000000000" pitchFamily="18" charset="-127"/>
-              </a:endParaRPr>
             </a:p>
           </p:txBody>
         </p:sp>
@@ -6055,20 +6001,7 @@
                   <a:latin typeface="a신디나루B" panose="02020600000000000000" pitchFamily="18" charset="-127"/>
                   <a:ea typeface="a신디나루B" panose="02020600000000000000" pitchFamily="18" charset="-127"/>
                 </a:rPr>
-                <a:t>사진을 보고 </a:t>
-              </a:r>
-              <a:r>
-                <a:rPr lang="ko-KR" altLang="en-US" sz="2000" dirty="0" smtClean="0">
-                  <a:solidFill>
-                    <a:schemeClr val="tx1">
-                      <a:lumMod val="75000"/>
-                      <a:lumOff val="25000"/>
-                    </a:schemeClr>
-                  </a:solidFill>
-                  <a:latin typeface="a신디나루B" panose="02020600000000000000" pitchFamily="18" charset="-127"/>
-                  <a:ea typeface="a신디나루B" panose="02020600000000000000" pitchFamily="18" charset="-127"/>
-                </a:rPr>
-                <a:t>인물이나 물건의 숫자를 맞춰주세요</a:t>
+                <a:t>사진을 보고 인물이나 물건의 숫자를 맞춰주세요</a:t>
               </a:r>
               <a:r>
                 <a:rPr lang="en-US" altLang="ko-KR" sz="2000" dirty="0" smtClean="0">
@@ -6083,16 +6016,6 @@
                 </a:rPr>
                 <a:t>!</a:t>
               </a:r>
-              <a:endParaRPr lang="en-US" altLang="ko-KR" sz="2000" dirty="0" smtClean="0">
-                <a:solidFill>
-                  <a:schemeClr val="tx1">
-                    <a:lumMod val="75000"/>
-                    <a:lumOff val="25000"/>
-                  </a:schemeClr>
-                </a:solidFill>
-                <a:latin typeface="a신디나루B" panose="02020600000000000000" pitchFamily="18" charset="-127"/>
-                <a:ea typeface="a신디나루B" panose="02020600000000000000" pitchFamily="18" charset="-127"/>
-              </a:endParaRPr>
             </a:p>
             <a:p>
               <a:pPr algn="just"/>
@@ -6133,7 +6056,20 @@
                   <a:latin typeface="a신디나루B" panose="02020600000000000000" pitchFamily="18" charset="-127"/>
                   <a:ea typeface="a신디나루B" panose="02020600000000000000" pitchFamily="18" charset="-127"/>
                 </a:rPr>
-                <a:t>번이 주어지고 난이도는 점점 어려워 집니다</a:t>
+                <a:t>번 </a:t>
+              </a:r>
+              <a:r>
+                <a:rPr lang="ko-KR" altLang="en-US" sz="2000" dirty="0" smtClean="0">
+                  <a:solidFill>
+                    <a:schemeClr val="tx1">
+                      <a:lumMod val="75000"/>
+                      <a:lumOff val="25000"/>
+                    </a:schemeClr>
+                  </a:solidFill>
+                  <a:latin typeface="a신디나루B" panose="02020600000000000000" pitchFamily="18" charset="-127"/>
+                  <a:ea typeface="a신디나루B" panose="02020600000000000000" pitchFamily="18" charset="-127"/>
+                </a:rPr>
+                <a:t>주어지고 난이도는 점점 어려워 집니다</a:t>
               </a:r>
               <a:r>
                 <a:rPr lang="en-US" altLang="ko-KR" sz="2000" dirty="0" smtClean="0">
@@ -6216,16 +6152,6 @@
                 </a:rPr>
                 <a:t>.</a:t>
               </a:r>
-              <a:endParaRPr lang="en-US" altLang="ko-KR" sz="2000" dirty="0" smtClean="0">
-                <a:solidFill>
-                  <a:schemeClr val="tx1">
-                    <a:lumMod val="75000"/>
-                    <a:lumOff val="25000"/>
-                  </a:schemeClr>
-                </a:solidFill>
-                <a:latin typeface="a신디나루B" panose="02020600000000000000" pitchFamily="18" charset="-127"/>
-                <a:ea typeface="a신디나루B" panose="02020600000000000000" pitchFamily="18" charset="-127"/>
-              </a:endParaRPr>
             </a:p>
           </p:txBody>
         </p:sp>
@@ -6474,10 +6400,6 @@
                 </a:rPr>
                 <a:t>1.0</a:t>
               </a:r>
-              <a:endParaRPr lang="en-US" altLang="ko-KR" sz="5000" dirty="0" smtClean="0">
-                <a:latin typeface="a신디나루M" pitchFamily="18" charset="-127"/>
-                <a:ea typeface="a신디나루M" pitchFamily="18" charset="-127"/>
-              </a:endParaRPr>
             </a:p>
           </p:txBody>
         </p:sp>
@@ -7013,20 +6935,7 @@
                   <a:latin typeface="a신디나루B" panose="02020600000000000000" pitchFamily="18" charset="-127"/>
                   <a:ea typeface="a신디나루B" panose="02020600000000000000" pitchFamily="18" charset="-127"/>
                 </a:rPr>
-                <a:t>사진을 보고 </a:t>
-              </a:r>
-              <a:r>
-                <a:rPr lang="ko-KR" altLang="en-US" sz="2000" dirty="0" smtClean="0">
-                  <a:solidFill>
-                    <a:schemeClr val="tx1">
-                      <a:lumMod val="75000"/>
-                      <a:lumOff val="25000"/>
-                    </a:schemeClr>
-                  </a:solidFill>
-                  <a:latin typeface="a신디나루B" panose="02020600000000000000" pitchFamily="18" charset="-127"/>
-                  <a:ea typeface="a신디나루B" panose="02020600000000000000" pitchFamily="18" charset="-127"/>
-                </a:rPr>
-                <a:t>인물이나 물건의 숫자를 맞춰주세요</a:t>
+                <a:t>사진을 보고 인물이나 물건의 숫자를 맞춰주세요</a:t>
               </a:r>
               <a:r>
                 <a:rPr lang="en-US" altLang="ko-KR" sz="2000" dirty="0" smtClean="0">
@@ -7041,16 +6950,6 @@
                 </a:rPr>
                 <a:t>!</a:t>
               </a:r>
-              <a:endParaRPr lang="en-US" altLang="ko-KR" sz="2000" dirty="0" smtClean="0">
-                <a:solidFill>
-                  <a:schemeClr val="tx1">
-                    <a:lumMod val="75000"/>
-                    <a:lumOff val="25000"/>
-                  </a:schemeClr>
-                </a:solidFill>
-                <a:latin typeface="a신디나루B" panose="02020600000000000000" pitchFamily="18" charset="-127"/>
-                <a:ea typeface="a신디나루B" panose="02020600000000000000" pitchFamily="18" charset="-127"/>
-              </a:endParaRPr>
             </a:p>
             <a:p>
               <a:pPr algn="just"/>
@@ -7091,7 +6990,20 @@
                   <a:latin typeface="a신디나루B" panose="02020600000000000000" pitchFamily="18" charset="-127"/>
                   <a:ea typeface="a신디나루B" panose="02020600000000000000" pitchFamily="18" charset="-127"/>
                 </a:rPr>
-                <a:t>번이 주어지고 난이도는 점점 어려워 집니다</a:t>
+                <a:t>번 </a:t>
+              </a:r>
+              <a:r>
+                <a:rPr lang="ko-KR" altLang="en-US" sz="2000" dirty="0" smtClean="0">
+                  <a:solidFill>
+                    <a:schemeClr val="tx1">
+                      <a:lumMod val="75000"/>
+                      <a:lumOff val="25000"/>
+                    </a:schemeClr>
+                  </a:solidFill>
+                  <a:latin typeface="a신디나루B" panose="02020600000000000000" pitchFamily="18" charset="-127"/>
+                  <a:ea typeface="a신디나루B" panose="02020600000000000000" pitchFamily="18" charset="-127"/>
+                </a:rPr>
+                <a:t>주어지고 난이도는 점점 어려워 집니다</a:t>
               </a:r>
               <a:r>
                 <a:rPr lang="en-US" altLang="ko-KR" sz="2000" dirty="0" smtClean="0">
@@ -7174,16 +7086,6 @@
                 </a:rPr>
                 <a:t>.</a:t>
               </a:r>
-              <a:endParaRPr lang="en-US" altLang="ko-KR" sz="2000" dirty="0" smtClean="0">
-                <a:solidFill>
-                  <a:schemeClr val="tx1">
-                    <a:lumMod val="75000"/>
-                    <a:lumOff val="25000"/>
-                  </a:schemeClr>
-                </a:solidFill>
-                <a:latin typeface="a신디나루B" panose="02020600000000000000" pitchFamily="18" charset="-127"/>
-                <a:ea typeface="a신디나루B" panose="02020600000000000000" pitchFamily="18" charset="-127"/>
-              </a:endParaRPr>
             </a:p>
           </p:txBody>
         </p:sp>
@@ -7523,20 +7425,7 @@
                   <a:latin typeface="a신디나루B" panose="02020600000000000000" pitchFamily="18" charset="-127"/>
                   <a:ea typeface="a신디나루B" panose="02020600000000000000" pitchFamily="18" charset="-127"/>
                 </a:rPr>
-                <a:t>사진을 보고 </a:t>
-              </a:r>
-              <a:r>
-                <a:rPr lang="ko-KR" altLang="en-US" sz="2000" dirty="0" smtClean="0">
-                  <a:solidFill>
-                    <a:schemeClr val="tx1">
-                      <a:lumMod val="75000"/>
-                      <a:lumOff val="25000"/>
-                    </a:schemeClr>
-                  </a:solidFill>
-                  <a:latin typeface="a신디나루B" panose="02020600000000000000" pitchFamily="18" charset="-127"/>
-                  <a:ea typeface="a신디나루B" panose="02020600000000000000" pitchFamily="18" charset="-127"/>
-                </a:rPr>
-                <a:t>인물이나 물건의 숫자를 맞춰주세요</a:t>
+                <a:t>사진을 보고 인물이나 물건의 숫자를 맞춰주세요</a:t>
               </a:r>
               <a:r>
                 <a:rPr lang="en-US" altLang="ko-KR" sz="2000" dirty="0" smtClean="0">
@@ -7551,16 +7440,6 @@
                 </a:rPr>
                 <a:t>!</a:t>
               </a:r>
-              <a:endParaRPr lang="en-US" altLang="ko-KR" sz="2000" dirty="0" smtClean="0">
-                <a:solidFill>
-                  <a:schemeClr val="tx1">
-                    <a:lumMod val="75000"/>
-                    <a:lumOff val="25000"/>
-                  </a:schemeClr>
-                </a:solidFill>
-                <a:latin typeface="a신디나루B" panose="02020600000000000000" pitchFamily="18" charset="-127"/>
-                <a:ea typeface="a신디나루B" panose="02020600000000000000" pitchFamily="18" charset="-127"/>
-              </a:endParaRPr>
             </a:p>
             <a:p>
               <a:pPr algn="just"/>
@@ -7601,7 +7480,20 @@
                   <a:latin typeface="a신디나루B" panose="02020600000000000000" pitchFamily="18" charset="-127"/>
                   <a:ea typeface="a신디나루B" panose="02020600000000000000" pitchFamily="18" charset="-127"/>
                 </a:rPr>
-                <a:t>번이 주어지고 난이도는 점점 어려워 집니다</a:t>
+                <a:t>번 </a:t>
+              </a:r>
+              <a:r>
+                <a:rPr lang="ko-KR" altLang="en-US" sz="2000" dirty="0" smtClean="0">
+                  <a:solidFill>
+                    <a:schemeClr val="tx1">
+                      <a:lumMod val="75000"/>
+                      <a:lumOff val="25000"/>
+                    </a:schemeClr>
+                  </a:solidFill>
+                  <a:latin typeface="a신디나루B" panose="02020600000000000000" pitchFamily="18" charset="-127"/>
+                  <a:ea typeface="a신디나루B" panose="02020600000000000000" pitchFamily="18" charset="-127"/>
+                </a:rPr>
+                <a:t>주어지고 난이도는 점점 어려워 집니다</a:t>
               </a:r>
               <a:r>
                 <a:rPr lang="en-US" altLang="ko-KR" sz="2000" dirty="0" smtClean="0">
@@ -7684,16 +7576,6 @@
                 </a:rPr>
                 <a:t>.</a:t>
               </a:r>
-              <a:endParaRPr lang="en-US" altLang="ko-KR" sz="2000" dirty="0" smtClean="0">
-                <a:solidFill>
-                  <a:schemeClr val="tx1">
-                    <a:lumMod val="75000"/>
-                    <a:lumOff val="25000"/>
-                  </a:schemeClr>
-                </a:solidFill>
-                <a:latin typeface="a신디나루B" panose="02020600000000000000" pitchFamily="18" charset="-127"/>
-                <a:ea typeface="a신디나루B" panose="02020600000000000000" pitchFamily="18" charset="-127"/>
-              </a:endParaRPr>
             </a:p>
           </p:txBody>
         </p:sp>
@@ -8093,20 +7975,7 @@
                   <a:latin typeface="a신디나루B" panose="02020600000000000000" pitchFamily="18" charset="-127"/>
                   <a:ea typeface="a신디나루B" panose="02020600000000000000" pitchFamily="18" charset="-127"/>
                 </a:rPr>
-                <a:t>사진을 보고 </a:t>
-              </a:r>
-              <a:r>
-                <a:rPr lang="ko-KR" altLang="en-US" sz="2000" dirty="0" smtClean="0">
-                  <a:solidFill>
-                    <a:schemeClr val="tx1">
-                      <a:lumMod val="75000"/>
-                      <a:lumOff val="25000"/>
-                    </a:schemeClr>
-                  </a:solidFill>
-                  <a:latin typeface="a신디나루B" panose="02020600000000000000" pitchFamily="18" charset="-127"/>
-                  <a:ea typeface="a신디나루B" panose="02020600000000000000" pitchFamily="18" charset="-127"/>
-                </a:rPr>
-                <a:t>인물이나 물건의 숫자를 맞춰주세요</a:t>
+                <a:t>사진을 보고 인물이나 물건의 숫자를 맞춰주세요</a:t>
               </a:r>
               <a:r>
                 <a:rPr lang="en-US" altLang="ko-KR" sz="2000" dirty="0" smtClean="0">
@@ -8121,16 +7990,6 @@
                 </a:rPr>
                 <a:t>!</a:t>
               </a:r>
-              <a:endParaRPr lang="en-US" altLang="ko-KR" sz="2000" dirty="0" smtClean="0">
-                <a:solidFill>
-                  <a:schemeClr val="tx1">
-                    <a:lumMod val="75000"/>
-                    <a:lumOff val="25000"/>
-                  </a:schemeClr>
-                </a:solidFill>
-                <a:latin typeface="a신디나루B" panose="02020600000000000000" pitchFamily="18" charset="-127"/>
-                <a:ea typeface="a신디나루B" panose="02020600000000000000" pitchFamily="18" charset="-127"/>
-              </a:endParaRPr>
             </a:p>
             <a:p>
               <a:pPr algn="just"/>
@@ -8171,7 +8030,20 @@
                   <a:latin typeface="a신디나루B" panose="02020600000000000000" pitchFamily="18" charset="-127"/>
                   <a:ea typeface="a신디나루B" panose="02020600000000000000" pitchFamily="18" charset="-127"/>
                 </a:rPr>
-                <a:t>번이 주어지고 난이도는 점점 어려워 집니다</a:t>
+                <a:t>번 </a:t>
+              </a:r>
+              <a:r>
+                <a:rPr lang="ko-KR" altLang="en-US" sz="2000" dirty="0" smtClean="0">
+                  <a:solidFill>
+                    <a:schemeClr val="tx1">
+                      <a:lumMod val="75000"/>
+                      <a:lumOff val="25000"/>
+                    </a:schemeClr>
+                  </a:solidFill>
+                  <a:latin typeface="a신디나루B" panose="02020600000000000000" pitchFamily="18" charset="-127"/>
+                  <a:ea typeface="a신디나루B" panose="02020600000000000000" pitchFamily="18" charset="-127"/>
+                </a:rPr>
+                <a:t>주어지고 난이도는 점점 어려워 집니다</a:t>
               </a:r>
               <a:r>
                 <a:rPr lang="en-US" altLang="ko-KR" sz="2000" dirty="0" smtClean="0">
@@ -8254,16 +8126,6 @@
                 </a:rPr>
                 <a:t>.</a:t>
               </a:r>
-              <a:endParaRPr lang="en-US" altLang="ko-KR" sz="2000" dirty="0" smtClean="0">
-                <a:solidFill>
-                  <a:schemeClr val="tx1">
-                    <a:lumMod val="75000"/>
-                    <a:lumOff val="25000"/>
-                  </a:schemeClr>
-                </a:solidFill>
-                <a:latin typeface="a신디나루B" panose="02020600000000000000" pitchFamily="18" charset="-127"/>
-                <a:ea typeface="a신디나루B" panose="02020600000000000000" pitchFamily="18" charset="-127"/>
-              </a:endParaRPr>
             </a:p>
           </p:txBody>
         </p:sp>
@@ -8603,20 +8465,7 @@
                   <a:latin typeface="a신디나루B" panose="02020600000000000000" pitchFamily="18" charset="-127"/>
                   <a:ea typeface="a신디나루B" panose="02020600000000000000" pitchFamily="18" charset="-127"/>
                 </a:rPr>
-                <a:t>사진을 보고 </a:t>
-              </a:r>
-              <a:r>
-                <a:rPr lang="ko-KR" altLang="en-US" sz="2000" dirty="0" smtClean="0">
-                  <a:solidFill>
-                    <a:schemeClr val="tx1">
-                      <a:lumMod val="75000"/>
-                      <a:lumOff val="25000"/>
-                    </a:schemeClr>
-                  </a:solidFill>
-                  <a:latin typeface="a신디나루B" panose="02020600000000000000" pitchFamily="18" charset="-127"/>
-                  <a:ea typeface="a신디나루B" panose="02020600000000000000" pitchFamily="18" charset="-127"/>
-                </a:rPr>
-                <a:t>인물이나 물건의 숫자를 맞춰주세요</a:t>
+                <a:t>사진을 보고 인물이나 물건의 숫자를 맞춰주세요</a:t>
               </a:r>
               <a:r>
                 <a:rPr lang="en-US" altLang="ko-KR" sz="2000" dirty="0" smtClean="0">
@@ -8631,16 +8480,6 @@
                 </a:rPr>
                 <a:t>!</a:t>
               </a:r>
-              <a:endParaRPr lang="en-US" altLang="ko-KR" sz="2000" dirty="0" smtClean="0">
-                <a:solidFill>
-                  <a:schemeClr val="tx1">
-                    <a:lumMod val="75000"/>
-                    <a:lumOff val="25000"/>
-                  </a:schemeClr>
-                </a:solidFill>
-                <a:latin typeface="a신디나루B" panose="02020600000000000000" pitchFamily="18" charset="-127"/>
-                <a:ea typeface="a신디나루B" panose="02020600000000000000" pitchFamily="18" charset="-127"/>
-              </a:endParaRPr>
             </a:p>
             <a:p>
               <a:pPr algn="just"/>
@@ -8681,7 +8520,20 @@
                   <a:latin typeface="a신디나루B" panose="02020600000000000000" pitchFamily="18" charset="-127"/>
                   <a:ea typeface="a신디나루B" panose="02020600000000000000" pitchFamily="18" charset="-127"/>
                 </a:rPr>
-                <a:t>번이 주어지고 난이도는 점점 어려워 집니다</a:t>
+                <a:t>번 </a:t>
+              </a:r>
+              <a:r>
+                <a:rPr lang="ko-KR" altLang="en-US" sz="2000" dirty="0" smtClean="0">
+                  <a:solidFill>
+                    <a:schemeClr val="tx1">
+                      <a:lumMod val="75000"/>
+                      <a:lumOff val="25000"/>
+                    </a:schemeClr>
+                  </a:solidFill>
+                  <a:latin typeface="a신디나루B" panose="02020600000000000000" pitchFamily="18" charset="-127"/>
+                  <a:ea typeface="a신디나루B" panose="02020600000000000000" pitchFamily="18" charset="-127"/>
+                </a:rPr>
+                <a:t>주어지고 난이도는 점점 어려워 집니다</a:t>
               </a:r>
               <a:r>
                 <a:rPr lang="en-US" altLang="ko-KR" sz="2000" dirty="0" smtClean="0">
@@ -8764,16 +8616,6 @@
                 </a:rPr>
                 <a:t>.</a:t>
               </a:r>
-              <a:endParaRPr lang="en-US" altLang="ko-KR" sz="2000" dirty="0" smtClean="0">
-                <a:solidFill>
-                  <a:schemeClr val="tx1">
-                    <a:lumMod val="75000"/>
-                    <a:lumOff val="25000"/>
-                  </a:schemeClr>
-                </a:solidFill>
-                <a:latin typeface="a신디나루B" panose="02020600000000000000" pitchFamily="18" charset="-127"/>
-                <a:ea typeface="a신디나루B" panose="02020600000000000000" pitchFamily="18" charset="-127"/>
-              </a:endParaRPr>
             </a:p>
           </p:txBody>
         </p:sp>
@@ -9196,7 +9038,43 @@
       </a:bgFillStyleLst>
     </a:fmtScheme>
   </a:themeElements>
-  <a:objectDefaults/>
+  <a:objectDefaults>
+    <a:spDef>
+      <a:spPr>
+        <a:solidFill>
+          <a:schemeClr val="accent2">
+            <a:lumMod val="60000"/>
+            <a:lumOff val="40000"/>
+          </a:schemeClr>
+        </a:solidFill>
+        <a:ln>
+          <a:noFill/>
+        </a:ln>
+      </a:spPr>
+      <a:bodyPr rtlCol="0" anchor="ctr"/>
+      <a:lstStyle>
+        <a:defPPr algn="ctr">
+          <a:defRPr dirty="0"/>
+        </a:defPPr>
+      </a:lstStyle>
+      <a:style>
+        <a:lnRef idx="2">
+          <a:schemeClr val="accent1">
+            <a:shade val="50000"/>
+          </a:schemeClr>
+        </a:lnRef>
+        <a:fillRef idx="1">
+          <a:schemeClr val="accent1"/>
+        </a:fillRef>
+        <a:effectRef idx="0">
+          <a:schemeClr val="accent1"/>
+        </a:effectRef>
+        <a:fontRef idx="minor">
+          <a:schemeClr val="lt1"/>
+        </a:fontRef>
+      </a:style>
+    </a:spDef>
+  </a:objectDefaults>
   <a:extraClrSchemeLst/>
   <a:extLst>
     <a:ext uri="{05A4C25C-085E-4340-85A3-A5531E510DB2}">
